--- a/Coursera Capstone Project Presentation.pptx
+++ b/Coursera Capstone Project Presentation.pptx
@@ -7,6 +7,12 @@
   <p:sldIdLst>
     <p:sldId id="256" r:id="rId2"/>
     <p:sldId id="257" r:id="rId3"/>
+    <p:sldId id="259" r:id="rId4"/>
+    <p:sldId id="258" r:id="rId5"/>
+    <p:sldId id="260" r:id="rId6"/>
+    <p:sldId id="261" r:id="rId7"/>
+    <p:sldId id="262" r:id="rId8"/>
+    <p:sldId id="263" r:id="rId9"/>
   </p:sldIdLst>
   <p:sldSz cx="12192000" cy="6858000"/>
   <p:notesSz cx="6858000" cy="9144000"/>
@@ -105,7 +111,171 @@
       </a:defRPr>
     </a:lvl9pPr>
   </p:defaultTextStyle>
+  <p:extLst>
+    <p:ext uri="{EFAFB233-063F-42B5-8137-9DF3F51BA10A}">
+      <p15:sldGuideLst xmlns:p15="http://schemas.microsoft.com/office/powerpoint/2012/main"/>
+    </p:ext>
+  </p:extLst>
 </p:presentation>
+</file>
+
+<file path=ppt/revisionInfo.xml><?xml version="1.0" encoding="utf-8"?>
+<p1510:revInfo xmlns:a="http://schemas.openxmlformats.org/drawingml/2006/main" xmlns:r="http://schemas.openxmlformats.org/officeDocument/2006/relationships" xmlns:p1510="http://schemas.microsoft.com/office/powerpoint/2015/10/main">
+  <p1510:revLst>
+    <p1510:client id="{D2BD218E-9F60-4E50-B1D0-4D949DE65482}" v="8" dt="2021-03-17T23:05:10.132"/>
+  </p1510:revLst>
+</p1510:revInfo>
+</file>
+
+<file path=ppt/changesInfos/changesInfo1.xml><?xml version="1.0" encoding="utf-8"?>
+<pc:chgInfo xmlns:a="http://schemas.openxmlformats.org/drawingml/2006/main" xmlns:r="http://schemas.openxmlformats.org/officeDocument/2006/relationships" xmlns:ac="http://schemas.microsoft.com/office/drawing/2013/main/command" xmlns:pc="http://schemas.microsoft.com/office/powerpoint/2013/main/command">
+  <pc:docChgLst>
+    <pc:chgData name="Jeffrey Buschow" userId="57e095067d495cb6" providerId="LiveId" clId="{D2BD218E-9F60-4E50-B1D0-4D949DE65482}"/>
+    <pc:docChg chg="undo custSel modSld sldOrd">
+      <pc:chgData name="Jeffrey Buschow" userId="57e095067d495cb6" providerId="LiveId" clId="{D2BD218E-9F60-4E50-B1D0-4D949DE65482}" dt="2021-03-17T23:10:44.288" v="2590" actId="1076"/>
+      <pc:docMkLst>
+        <pc:docMk/>
+      </pc:docMkLst>
+      <pc:sldChg chg="addSp modSp mod">
+        <pc:chgData name="Jeffrey Buschow" userId="57e095067d495cb6" providerId="LiveId" clId="{D2BD218E-9F60-4E50-B1D0-4D949DE65482}" dt="2021-03-17T23:04:52.243" v="2073" actId="1076"/>
+        <pc:sldMkLst>
+          <pc:docMk/>
+          <pc:sldMk cId="200715753" sldId="257"/>
+        </pc:sldMkLst>
+        <pc:spChg chg="add mod">
+          <ac:chgData name="Jeffrey Buschow" userId="57e095067d495cb6" providerId="LiveId" clId="{D2BD218E-9F60-4E50-B1D0-4D949DE65482}" dt="2021-03-17T23:04:52.243" v="2073" actId="1076"/>
+          <ac:spMkLst>
+            <pc:docMk/>
+            <pc:sldMk cId="200715753" sldId="257"/>
+            <ac:spMk id="2" creationId="{338C8F20-33BD-4B5F-ACA7-834A9DEFFCE3}"/>
+          </ac:spMkLst>
+        </pc:spChg>
+      </pc:sldChg>
+      <pc:sldChg chg="addSp modSp mod">
+        <pc:chgData name="Jeffrey Buschow" userId="57e095067d495cb6" providerId="LiveId" clId="{D2BD218E-9F60-4E50-B1D0-4D949DE65482}" dt="2021-03-17T23:10:44.288" v="2590" actId="1076"/>
+        <pc:sldMkLst>
+          <pc:docMk/>
+          <pc:sldMk cId="3279480334" sldId="258"/>
+        </pc:sldMkLst>
+        <pc:spChg chg="add mod">
+          <ac:chgData name="Jeffrey Buschow" userId="57e095067d495cb6" providerId="LiveId" clId="{D2BD218E-9F60-4E50-B1D0-4D949DE65482}" dt="2021-03-17T23:10:44.288" v="2590" actId="1076"/>
+          <ac:spMkLst>
+            <pc:docMk/>
+            <pc:sldMk cId="3279480334" sldId="258"/>
+            <ac:spMk id="2" creationId="{42804F90-DBA1-4B2B-A31F-43868D80F4A1}"/>
+          </ac:spMkLst>
+        </pc:spChg>
+      </pc:sldChg>
+      <pc:sldChg chg="addSp modSp mod ord">
+        <pc:chgData name="Jeffrey Buschow" userId="57e095067d495cb6" providerId="LiveId" clId="{D2BD218E-9F60-4E50-B1D0-4D949DE65482}" dt="2021-03-17T22:59:00.216" v="1413"/>
+        <pc:sldMkLst>
+          <pc:docMk/>
+          <pc:sldMk cId="481786132" sldId="259"/>
+        </pc:sldMkLst>
+        <pc:spChg chg="add mod">
+          <ac:chgData name="Jeffrey Buschow" userId="57e095067d495cb6" providerId="LiveId" clId="{D2BD218E-9F60-4E50-B1D0-4D949DE65482}" dt="2021-03-17T22:58:34.341" v="1411" actId="1076"/>
+          <ac:spMkLst>
+            <pc:docMk/>
+            <pc:sldMk cId="481786132" sldId="259"/>
+            <ac:spMk id="2" creationId="{40BBCA91-F507-4913-977C-DFF1DD1285ED}"/>
+          </ac:spMkLst>
+        </pc:spChg>
+      </pc:sldChg>
+      <pc:sldChg chg="addSp delSp modSp mod">
+        <pc:chgData name="Jeffrey Buschow" userId="57e095067d495cb6" providerId="LiveId" clId="{D2BD218E-9F60-4E50-B1D0-4D949DE65482}" dt="2021-03-17T22:47:35.474" v="315" actId="255"/>
+        <pc:sldMkLst>
+          <pc:docMk/>
+          <pc:sldMk cId="1312552693" sldId="260"/>
+        </pc:sldMkLst>
+        <pc:spChg chg="add mod">
+          <ac:chgData name="Jeffrey Buschow" userId="57e095067d495cb6" providerId="LiveId" clId="{D2BD218E-9F60-4E50-B1D0-4D949DE65482}" dt="2021-03-17T22:47:25.741" v="314" actId="255"/>
+          <ac:spMkLst>
+            <pc:docMk/>
+            <pc:sldMk cId="1312552693" sldId="260"/>
+            <ac:spMk id="4" creationId="{492CBB8B-A647-4BFF-889B-3E59FA7B7142}"/>
+          </ac:spMkLst>
+        </pc:spChg>
+        <pc:spChg chg="add del mod">
+          <ac:chgData name="Jeffrey Buschow" userId="57e095067d495cb6" providerId="LiveId" clId="{D2BD218E-9F60-4E50-B1D0-4D949DE65482}" dt="2021-03-17T22:46:27.537" v="212"/>
+          <ac:spMkLst>
+            <pc:docMk/>
+            <pc:sldMk cId="1312552693" sldId="260"/>
+            <ac:spMk id="6" creationId="{14C02862-54DC-4406-8F46-DD1320CF34E5}"/>
+          </ac:spMkLst>
+        </pc:spChg>
+        <pc:spChg chg="mod">
+          <ac:chgData name="Jeffrey Buschow" userId="57e095067d495cb6" providerId="LiveId" clId="{D2BD218E-9F60-4E50-B1D0-4D949DE65482}" dt="2021-03-17T22:47:35.474" v="315" actId="255"/>
+          <ac:spMkLst>
+            <pc:docMk/>
+            <pc:sldMk cId="1312552693" sldId="260"/>
+            <ac:spMk id="10" creationId="{A91F571A-496D-4EDC-BBF3-A4E5BBF741A9}"/>
+          </ac:spMkLst>
+        </pc:spChg>
+        <pc:picChg chg="add mod">
+          <ac:chgData name="Jeffrey Buschow" userId="57e095067d495cb6" providerId="LiveId" clId="{D2BD218E-9F60-4E50-B1D0-4D949DE65482}" dt="2021-03-17T22:42:15.561" v="2" actId="1076"/>
+          <ac:picMkLst>
+            <pc:docMk/>
+            <pc:sldMk cId="1312552693" sldId="260"/>
+            <ac:picMk id="3" creationId="{F6E72B95-528A-4CC2-AC59-03886EFB03A0}"/>
+          </ac:picMkLst>
+        </pc:picChg>
+      </pc:sldChg>
+      <pc:sldChg chg="addSp modSp mod">
+        <pc:chgData name="Jeffrey Buschow" userId="57e095067d495cb6" providerId="LiveId" clId="{D2BD218E-9F60-4E50-B1D0-4D949DE65482}" dt="2021-03-17T22:45:05.103" v="110" actId="1076"/>
+        <pc:sldMkLst>
+          <pc:docMk/>
+          <pc:sldMk cId="4117931866" sldId="261"/>
+        </pc:sldMkLst>
+        <pc:spChg chg="mod">
+          <ac:chgData name="Jeffrey Buschow" userId="57e095067d495cb6" providerId="LiveId" clId="{D2BD218E-9F60-4E50-B1D0-4D949DE65482}" dt="2021-03-17T22:45:05.103" v="110" actId="1076"/>
+          <ac:spMkLst>
+            <pc:docMk/>
+            <pc:sldMk cId="4117931866" sldId="261"/>
+            <ac:spMk id="10" creationId="{A91F571A-496D-4EDC-BBF3-A4E5BBF741A9}"/>
+          </ac:spMkLst>
+        </pc:spChg>
+        <pc:picChg chg="add mod">
+          <ac:chgData name="Jeffrey Buschow" userId="57e095067d495cb6" providerId="LiveId" clId="{D2BD218E-9F60-4E50-B1D0-4D949DE65482}" dt="2021-03-17T22:43:24.590" v="28" actId="1076"/>
+          <ac:picMkLst>
+            <pc:docMk/>
+            <pc:sldMk cId="4117931866" sldId="261"/>
+            <ac:picMk id="3" creationId="{0EBD1201-E9AC-48B5-8882-73D93AD6102A}"/>
+          </ac:picMkLst>
+        </pc:picChg>
+      </pc:sldChg>
+      <pc:sldChg chg="addSp modSp mod">
+        <pc:chgData name="Jeffrey Buschow" userId="57e095067d495cb6" providerId="LiveId" clId="{D2BD218E-9F60-4E50-B1D0-4D949DE65482}" dt="2021-03-17T22:51:43.414" v="816" actId="20577"/>
+        <pc:sldMkLst>
+          <pc:docMk/>
+          <pc:sldMk cId="4289304675" sldId="262"/>
+        </pc:sldMkLst>
+        <pc:spChg chg="add mod">
+          <ac:chgData name="Jeffrey Buschow" userId="57e095067d495cb6" providerId="LiveId" clId="{D2BD218E-9F60-4E50-B1D0-4D949DE65482}" dt="2021-03-17T22:51:43.414" v="816" actId="20577"/>
+          <ac:spMkLst>
+            <pc:docMk/>
+            <pc:sldMk cId="4289304675" sldId="262"/>
+            <ac:spMk id="2" creationId="{9708703B-9F08-49F8-B22D-363A5166ADC0}"/>
+          </ac:spMkLst>
+        </pc:spChg>
+      </pc:sldChg>
+      <pc:sldChg chg="addSp modSp mod">
+        <pc:chgData name="Jeffrey Buschow" userId="57e095067d495cb6" providerId="LiveId" clId="{D2BD218E-9F60-4E50-B1D0-4D949DE65482}" dt="2021-03-17T22:56:52.496" v="1269" actId="6549"/>
+        <pc:sldMkLst>
+          <pc:docMk/>
+          <pc:sldMk cId="853949277" sldId="263"/>
+        </pc:sldMkLst>
+        <pc:spChg chg="add mod">
+          <ac:chgData name="Jeffrey Buschow" userId="57e095067d495cb6" providerId="LiveId" clId="{D2BD218E-9F60-4E50-B1D0-4D949DE65482}" dt="2021-03-17T22:56:52.496" v="1269" actId="6549"/>
+          <ac:spMkLst>
+            <pc:docMk/>
+            <pc:sldMk cId="853949277" sldId="263"/>
+            <ac:spMk id="2" creationId="{EFBE537A-85EA-4DE0-A836-6591385C79CF}"/>
+          </ac:spMkLst>
+        </pc:spChg>
+      </pc:sldChg>
+    </pc:docChg>
+  </pc:docChgLst>
+</pc:chgInfo>
 </file>
 
 <file path=ppt/slideLayouts/slideLayout1.xml><?xml version="1.0" encoding="utf-8"?>
@@ -247,7 +417,7 @@
           <a:p>
             <a:fld id="{0E9906C6-793F-4BA5-BA09-741184A6A887}" type="datetimeFigureOut">
               <a:rPr lang="en-US" smtClean="0"/>
-              <a:t>3/2/2021</a:t>
+              <a:t>3/17/2021</a:t>
             </a:fld>
             <a:endParaRPr lang="en-US"/>
           </a:p>
@@ -458,7 +628,7 @@
           <a:p>
             <a:fld id="{0E9906C6-793F-4BA5-BA09-741184A6A887}" type="datetimeFigureOut">
               <a:rPr lang="en-US" smtClean="0"/>
-              <a:t>3/2/2021</a:t>
+              <a:t>3/17/2021</a:t>
             </a:fld>
             <a:endParaRPr lang="en-US"/>
           </a:p>
@@ -673,7 +843,7 @@
           <a:p>
             <a:fld id="{0E9906C6-793F-4BA5-BA09-741184A6A887}" type="datetimeFigureOut">
               <a:rPr lang="en-US" smtClean="0"/>
-              <a:t>3/2/2021</a:t>
+              <a:t>3/17/2021</a:t>
             </a:fld>
             <a:endParaRPr lang="en-US"/>
           </a:p>
@@ -874,7 +1044,7 @@
           <a:p>
             <a:fld id="{0E9906C6-793F-4BA5-BA09-741184A6A887}" type="datetimeFigureOut">
               <a:rPr lang="en-US" smtClean="0"/>
-              <a:t>3/2/2021</a:t>
+              <a:t>3/17/2021</a:t>
             </a:fld>
             <a:endParaRPr lang="en-US"/>
           </a:p>
@@ -1153,7 +1323,7 @@
           <a:p>
             <a:fld id="{0E9906C6-793F-4BA5-BA09-741184A6A887}" type="datetimeFigureOut">
               <a:rPr lang="en-US" smtClean="0"/>
-              <a:t>3/2/2021</a:t>
+              <a:t>3/17/2021</a:t>
             </a:fld>
             <a:endParaRPr lang="en-US"/>
           </a:p>
@@ -1421,7 +1591,7 @@
           <a:p>
             <a:fld id="{0E9906C6-793F-4BA5-BA09-741184A6A887}" type="datetimeFigureOut">
               <a:rPr lang="en-US" smtClean="0"/>
-              <a:t>3/2/2021</a:t>
+              <a:t>3/17/2021</a:t>
             </a:fld>
             <a:endParaRPr lang="en-US"/>
           </a:p>
@@ -1837,7 +2007,7 @@
           <a:p>
             <a:fld id="{0E9906C6-793F-4BA5-BA09-741184A6A887}" type="datetimeFigureOut">
               <a:rPr lang="en-US" smtClean="0"/>
-              <a:t>3/2/2021</a:t>
+              <a:t>3/17/2021</a:t>
             </a:fld>
             <a:endParaRPr lang="en-US"/>
           </a:p>
@@ -1986,7 +2156,7 @@
           <a:p>
             <a:fld id="{0E9906C6-793F-4BA5-BA09-741184A6A887}" type="datetimeFigureOut">
               <a:rPr lang="en-US" smtClean="0"/>
-              <a:t>3/2/2021</a:t>
+              <a:t>3/17/2021</a:t>
             </a:fld>
             <a:endParaRPr lang="en-US"/>
           </a:p>
@@ -2112,7 +2282,7 @@
           <a:p>
             <a:fld id="{0E9906C6-793F-4BA5-BA09-741184A6A887}" type="datetimeFigureOut">
               <a:rPr lang="en-US" smtClean="0"/>
-              <a:t>3/2/2021</a:t>
+              <a:t>3/17/2021</a:t>
             </a:fld>
             <a:endParaRPr lang="en-US"/>
           </a:p>
@@ -2363,7 +2533,7 @@
           <a:p>
             <a:fld id="{0E9906C6-793F-4BA5-BA09-741184A6A887}" type="datetimeFigureOut">
               <a:rPr lang="en-US" smtClean="0"/>
-              <a:t>3/2/2021</a:t>
+              <a:t>3/17/2021</a:t>
             </a:fld>
             <a:endParaRPr lang="en-US"/>
           </a:p>
@@ -2808,7 +2978,7 @@
           <a:p>
             <a:fld id="{0E9906C6-793F-4BA5-BA09-741184A6A887}" type="datetimeFigureOut">
               <a:rPr lang="en-US" smtClean="0"/>
-              <a:t>3/2/2021</a:t>
+              <a:t>3/17/2021</a:t>
             </a:fld>
             <a:endParaRPr lang="en-US"/>
           </a:p>
@@ -3135,7 +3305,7 @@
           <a:p>
             <a:fld id="{0E9906C6-793F-4BA5-BA09-741184A6A887}" type="datetimeFigureOut">
               <a:rPr lang="en-US" smtClean="0"/>
-              <a:t>3/2/2021</a:t>
+              <a:t>3/17/2021</a:t>
             </a:fld>
             <a:endParaRPr lang="en-US"/>
           </a:p>
@@ -3880,59 +4050,144 @@
       </p:grpSpPr>
       <p:sp>
         <p:nvSpPr>
-          <p:cNvPr id="2" name="Title 1">
+          <p:cNvPr id="10" name="TextBox 9">
             <a:extLst>
               <a:ext uri="{FF2B5EF4-FFF2-40B4-BE49-F238E27FC236}">
-                <a16:creationId xmlns:a16="http://schemas.microsoft.com/office/drawing/2014/main" id="{EEBEC61B-9867-4ED7-9292-3B96F33EE528}"/>
+                <a16:creationId xmlns:a16="http://schemas.microsoft.com/office/drawing/2014/main" id="{A91F571A-496D-4EDC-BBF3-A4E5BBF741A9}"/>
               </a:ext>
             </a:extLst>
           </p:cNvPr>
-          <p:cNvSpPr>
-            <a:spLocks noGrp="1"/>
-          </p:cNvSpPr>
-          <p:nvPr>
-            <p:ph type="ctrTitle"/>
-          </p:nvPr>
-        </p:nvSpPr>
-        <p:spPr>
-          <a:xfrm>
-            <a:off x="4025221" y="596846"/>
-            <a:ext cx="6380019" cy="3204134"/>
-          </a:xfrm>
-        </p:spPr>
-        <p:txBody>
-          <a:bodyPr anchor="b">
-            <a:normAutofit/>
+          <p:cNvSpPr txBox="1"/>
+          <p:nvPr/>
+        </p:nvSpPr>
+        <p:spPr>
+          <a:xfrm>
+            <a:off x="1224455" y="562304"/>
+            <a:ext cx="7572704" cy="461665"/>
+          </a:xfrm>
+          <a:prstGeom prst="rect">
+            <a:avLst/>
+          </a:prstGeom>
+          <a:noFill/>
+        </p:spPr>
+        <p:txBody>
+          <a:bodyPr wrap="square" rtlCol="0">
+            <a:spAutoFit/>
           </a:bodyPr>
           <a:lstStyle/>
           <a:p>
-            <a:pPr algn="l"/>
-            <a:endParaRPr lang="en-US" sz="4800" dirty="0"/>
-          </a:p>
-        </p:txBody>
-      </p:sp>
-      <p:sp>
-        <p:nvSpPr>
-          <p:cNvPr id="6" name="Subtitle 5">
+            <a:r>
+              <a:rPr lang="en-US" sz="2400" dirty="0"/>
+              <a:t>Opening a Coffee Shop is Hard</a:t>
+            </a:r>
+          </a:p>
+        </p:txBody>
+      </p:sp>
+      <p:cxnSp>
+        <p:nvCxnSpPr>
+          <p:cNvPr id="14" name="Straight Connector 13">
             <a:extLst>
               <a:ext uri="{FF2B5EF4-FFF2-40B4-BE49-F238E27FC236}">
-                <a16:creationId xmlns:a16="http://schemas.microsoft.com/office/drawing/2014/main" id="{93DD862B-E129-427B-BE2D-749043B66C84}"/>
+                <a16:creationId xmlns:a16="http://schemas.microsoft.com/office/drawing/2014/main" id="{A54E5E5A-14DE-473E-8761-A2957E8DE344}"/>
               </a:ext>
             </a:extLst>
           </p:cNvPr>
-          <p:cNvSpPr>
-            <a:spLocks noGrp="1"/>
-          </p:cNvSpPr>
-          <p:nvPr>
-            <p:ph type="subTitle" idx="1"/>
-          </p:nvPr>
-        </p:nvSpPr>
-        <p:spPr/>
-        <p:txBody>
-          <a:bodyPr/>
-          <a:lstStyle/>
-          <a:p>
-            <a:endParaRPr lang="en-US"/>
+          <p:cNvCxnSpPr/>
+          <p:nvPr/>
+        </p:nvCxnSpPr>
+        <p:spPr>
+          <a:xfrm>
+            <a:off x="1245476" y="1324303"/>
+            <a:ext cx="7047186" cy="0"/>
+          </a:xfrm>
+          <a:prstGeom prst="line">
+            <a:avLst/>
+          </a:prstGeom>
+        </p:spPr>
+        <p:style>
+          <a:lnRef idx="1">
+            <a:schemeClr val="accent1"/>
+          </a:lnRef>
+          <a:fillRef idx="0">
+            <a:schemeClr val="accent1"/>
+          </a:fillRef>
+          <a:effectRef idx="0">
+            <a:schemeClr val="accent1"/>
+          </a:effectRef>
+          <a:fontRef idx="minor">
+            <a:schemeClr val="tx1"/>
+          </a:fontRef>
+        </p:style>
+      </p:cxnSp>
+      <p:sp>
+        <p:nvSpPr>
+          <p:cNvPr id="2" name="TextBox 1">
+            <a:extLst>
+              <a:ext uri="{FF2B5EF4-FFF2-40B4-BE49-F238E27FC236}">
+                <a16:creationId xmlns:a16="http://schemas.microsoft.com/office/drawing/2014/main" id="{338C8F20-33BD-4B5F-ACA7-834A9DEFFCE3}"/>
+              </a:ext>
+            </a:extLst>
+          </p:cNvPr>
+          <p:cNvSpPr txBox="1"/>
+          <p:nvPr/>
+        </p:nvSpPr>
+        <p:spPr>
+          <a:xfrm>
+            <a:off x="1361090" y="1366897"/>
+            <a:ext cx="8529144" cy="2062103"/>
+          </a:xfrm>
+          <a:prstGeom prst="rect">
+            <a:avLst/>
+          </a:prstGeom>
+          <a:noFill/>
+        </p:spPr>
+        <p:txBody>
+          <a:bodyPr wrap="square" rtlCol="0">
+            <a:spAutoFit/>
+          </a:bodyPr>
+          <a:lstStyle/>
+          <a:p>
+            <a:r>
+              <a:rPr lang="en-US" sz="1600" dirty="0"/>
+              <a:t>Opening any new business is hard, and with so many competitors a new coffee shop can struggle to get on its feet if it is not well located.  </a:t>
+            </a:r>
+          </a:p>
+          <a:p>
+            <a:endParaRPr lang="en-US" sz="1600" dirty="0"/>
+          </a:p>
+          <a:p>
+            <a:r>
+              <a:rPr lang="en-US" sz="1600" dirty="0"/>
+              <a:t>Identifying the right place is especially hard in </a:t>
+            </a:r>
+            <a:r>
+              <a:rPr lang="en-US" sz="1600" dirty="0">
+                <a:solidFill>
+                  <a:srgbClr val="1F1F1F"/>
+                </a:solidFill>
+                <a:effectLst/>
+                <a:ea typeface="Calibri" panose="020F0502020204030204" pitchFamily="34" charset="0"/>
+              </a:rPr>
+              <a:t>New York City because there are so many different types of shops and restaurants in such a dense environment.</a:t>
+            </a:r>
+          </a:p>
+          <a:p>
+            <a:endParaRPr lang="en-US" sz="1600" dirty="0">
+              <a:solidFill>
+                <a:srgbClr val="1F1F1F"/>
+              </a:solidFill>
+            </a:endParaRPr>
+          </a:p>
+          <a:p>
+            <a:r>
+              <a:rPr lang="en-US" sz="1600" dirty="0">
+                <a:solidFill>
+                  <a:srgbClr val="1F1F1F"/>
+                </a:solidFill>
+              </a:rPr>
+              <a:t>Fortunately with the right data and some close analysis we can narrow down the candidate neighborhoods to improve the chances for success.</a:t>
+            </a:r>
+            <a:endParaRPr lang="en-US" sz="1600" dirty="0"/>
           </a:p>
         </p:txBody>
       </p:sp>
@@ -3940,6 +4195,1025 @@
     <p:extLst>
       <p:ext uri="{BB962C8B-B14F-4D97-AF65-F5344CB8AC3E}">
         <p14:creationId xmlns:p14="http://schemas.microsoft.com/office/powerpoint/2010/main" val="200715753"/>
+      </p:ext>
+    </p:extLst>
+  </p:cSld>
+  <p:clrMapOvr>
+    <a:masterClrMapping/>
+  </p:clrMapOvr>
+</p:sld>
+</file>
+
+<file path=ppt/slides/slide3.xml><?xml version="1.0" encoding="utf-8"?>
+<p:sld xmlns:a="http://schemas.openxmlformats.org/drawingml/2006/main" xmlns:r="http://schemas.openxmlformats.org/officeDocument/2006/relationships" xmlns:p="http://schemas.openxmlformats.org/presentationml/2006/main">
+  <p:cSld>
+    <p:spTree>
+      <p:nvGrpSpPr>
+        <p:cNvPr id="1" name=""/>
+        <p:cNvGrpSpPr/>
+        <p:nvPr/>
+      </p:nvGrpSpPr>
+      <p:grpSpPr>
+        <a:xfrm>
+          <a:off x="0" y="0"/>
+          <a:ext cx="0" cy="0"/>
+          <a:chOff x="0" y="0"/>
+          <a:chExt cx="0" cy="0"/>
+        </a:xfrm>
+      </p:grpSpPr>
+      <p:sp>
+        <p:nvSpPr>
+          <p:cNvPr id="10" name="TextBox 9">
+            <a:extLst>
+              <a:ext uri="{FF2B5EF4-FFF2-40B4-BE49-F238E27FC236}">
+                <a16:creationId xmlns:a16="http://schemas.microsoft.com/office/drawing/2014/main" id="{A91F571A-496D-4EDC-BBF3-A4E5BBF741A9}"/>
+              </a:ext>
+            </a:extLst>
+          </p:cNvPr>
+          <p:cNvSpPr txBox="1"/>
+          <p:nvPr/>
+        </p:nvSpPr>
+        <p:spPr>
+          <a:xfrm>
+            <a:off x="1224455" y="562304"/>
+            <a:ext cx="7572704" cy="461665"/>
+          </a:xfrm>
+          <a:prstGeom prst="rect">
+            <a:avLst/>
+          </a:prstGeom>
+          <a:noFill/>
+        </p:spPr>
+        <p:txBody>
+          <a:bodyPr wrap="square" rtlCol="0">
+            <a:spAutoFit/>
+          </a:bodyPr>
+          <a:lstStyle/>
+          <a:p>
+            <a:r>
+              <a:rPr lang="en-US" sz="2400" dirty="0"/>
+              <a:t>Zooming in on Manhattan</a:t>
+            </a:r>
+          </a:p>
+        </p:txBody>
+      </p:sp>
+      <p:cxnSp>
+        <p:nvCxnSpPr>
+          <p:cNvPr id="14" name="Straight Connector 13">
+            <a:extLst>
+              <a:ext uri="{FF2B5EF4-FFF2-40B4-BE49-F238E27FC236}">
+                <a16:creationId xmlns:a16="http://schemas.microsoft.com/office/drawing/2014/main" id="{A54E5E5A-14DE-473E-8761-A2957E8DE344}"/>
+              </a:ext>
+            </a:extLst>
+          </p:cNvPr>
+          <p:cNvCxnSpPr/>
+          <p:nvPr/>
+        </p:nvCxnSpPr>
+        <p:spPr>
+          <a:xfrm>
+            <a:off x="1245476" y="1324303"/>
+            <a:ext cx="7047186" cy="0"/>
+          </a:xfrm>
+          <a:prstGeom prst="line">
+            <a:avLst/>
+          </a:prstGeom>
+        </p:spPr>
+        <p:style>
+          <a:lnRef idx="1">
+            <a:schemeClr val="accent1"/>
+          </a:lnRef>
+          <a:fillRef idx="0">
+            <a:schemeClr val="accent1"/>
+          </a:fillRef>
+          <a:effectRef idx="0">
+            <a:schemeClr val="accent1"/>
+          </a:effectRef>
+          <a:fontRef idx="minor">
+            <a:schemeClr val="tx1"/>
+          </a:fontRef>
+        </p:style>
+      </p:cxnSp>
+      <p:sp>
+        <p:nvSpPr>
+          <p:cNvPr id="2" name="TextBox 1">
+            <a:extLst>
+              <a:ext uri="{FF2B5EF4-FFF2-40B4-BE49-F238E27FC236}">
+                <a16:creationId xmlns:a16="http://schemas.microsoft.com/office/drawing/2014/main" id="{40BBCA91-F507-4913-977C-DFF1DD1285ED}"/>
+              </a:ext>
+            </a:extLst>
+          </p:cNvPr>
+          <p:cNvSpPr txBox="1"/>
+          <p:nvPr/>
+        </p:nvSpPr>
+        <p:spPr>
+          <a:xfrm>
+            <a:off x="1282261" y="1834845"/>
+            <a:ext cx="7094483" cy="646331"/>
+          </a:xfrm>
+          <a:prstGeom prst="rect">
+            <a:avLst/>
+          </a:prstGeom>
+          <a:noFill/>
+        </p:spPr>
+        <p:txBody>
+          <a:bodyPr wrap="square" rtlCol="0">
+            <a:spAutoFit/>
+          </a:bodyPr>
+          <a:lstStyle/>
+          <a:p>
+            <a:r>
+              <a:rPr lang="en-US" dirty="0"/>
+              <a:t>Manhattan is one of the largest, busiest and most varied boroughs in New York City, so we will be focusing in on it.</a:t>
+            </a:r>
+          </a:p>
+        </p:txBody>
+      </p:sp>
+    </p:spTree>
+    <p:extLst>
+      <p:ext uri="{BB962C8B-B14F-4D97-AF65-F5344CB8AC3E}">
+        <p14:creationId xmlns:p14="http://schemas.microsoft.com/office/powerpoint/2010/main" val="481786132"/>
+      </p:ext>
+    </p:extLst>
+  </p:cSld>
+  <p:clrMapOvr>
+    <a:masterClrMapping/>
+  </p:clrMapOvr>
+</p:sld>
+</file>
+
+<file path=ppt/slides/slide4.xml><?xml version="1.0" encoding="utf-8"?>
+<p:sld xmlns:a="http://schemas.openxmlformats.org/drawingml/2006/main" xmlns:r="http://schemas.openxmlformats.org/officeDocument/2006/relationships" xmlns:p="http://schemas.openxmlformats.org/presentationml/2006/main">
+  <p:cSld>
+    <p:spTree>
+      <p:nvGrpSpPr>
+        <p:cNvPr id="1" name=""/>
+        <p:cNvGrpSpPr/>
+        <p:nvPr/>
+      </p:nvGrpSpPr>
+      <p:grpSpPr>
+        <a:xfrm>
+          <a:off x="0" y="0"/>
+          <a:ext cx="0" cy="0"/>
+          <a:chOff x="0" y="0"/>
+          <a:chExt cx="0" cy="0"/>
+        </a:xfrm>
+      </p:grpSpPr>
+      <p:sp>
+        <p:nvSpPr>
+          <p:cNvPr id="10" name="TextBox 9">
+            <a:extLst>
+              <a:ext uri="{FF2B5EF4-FFF2-40B4-BE49-F238E27FC236}">
+                <a16:creationId xmlns:a16="http://schemas.microsoft.com/office/drawing/2014/main" id="{A91F571A-496D-4EDC-BBF3-A4E5BBF741A9}"/>
+              </a:ext>
+            </a:extLst>
+          </p:cNvPr>
+          <p:cNvSpPr txBox="1"/>
+          <p:nvPr/>
+        </p:nvSpPr>
+        <p:spPr>
+          <a:xfrm>
+            <a:off x="1224455" y="562304"/>
+            <a:ext cx="7572704" cy="461665"/>
+          </a:xfrm>
+          <a:prstGeom prst="rect">
+            <a:avLst/>
+          </a:prstGeom>
+          <a:noFill/>
+        </p:spPr>
+        <p:txBody>
+          <a:bodyPr wrap="square" rtlCol="0">
+            <a:spAutoFit/>
+          </a:bodyPr>
+          <a:lstStyle/>
+          <a:p>
+            <a:r>
+              <a:rPr lang="en-US" sz="2400" dirty="0"/>
+              <a:t>Data Acquisition and Cleaning</a:t>
+            </a:r>
+          </a:p>
+        </p:txBody>
+      </p:sp>
+      <p:cxnSp>
+        <p:nvCxnSpPr>
+          <p:cNvPr id="14" name="Straight Connector 13">
+            <a:extLst>
+              <a:ext uri="{FF2B5EF4-FFF2-40B4-BE49-F238E27FC236}">
+                <a16:creationId xmlns:a16="http://schemas.microsoft.com/office/drawing/2014/main" id="{A54E5E5A-14DE-473E-8761-A2957E8DE344}"/>
+              </a:ext>
+            </a:extLst>
+          </p:cNvPr>
+          <p:cNvCxnSpPr/>
+          <p:nvPr/>
+        </p:nvCxnSpPr>
+        <p:spPr>
+          <a:xfrm>
+            <a:off x="1245476" y="1324303"/>
+            <a:ext cx="7047186" cy="0"/>
+          </a:xfrm>
+          <a:prstGeom prst="line">
+            <a:avLst/>
+          </a:prstGeom>
+        </p:spPr>
+        <p:style>
+          <a:lnRef idx="1">
+            <a:schemeClr val="accent1"/>
+          </a:lnRef>
+          <a:fillRef idx="0">
+            <a:schemeClr val="accent1"/>
+          </a:fillRef>
+          <a:effectRef idx="0">
+            <a:schemeClr val="accent1"/>
+          </a:effectRef>
+          <a:fontRef idx="minor">
+            <a:schemeClr val="tx1"/>
+          </a:fontRef>
+        </p:style>
+      </p:cxnSp>
+      <p:sp>
+        <p:nvSpPr>
+          <p:cNvPr id="2" name="TextBox 1">
+            <a:extLst>
+              <a:ext uri="{FF2B5EF4-FFF2-40B4-BE49-F238E27FC236}">
+                <a16:creationId xmlns:a16="http://schemas.microsoft.com/office/drawing/2014/main" id="{42804F90-DBA1-4B2B-A31F-43868D80F4A1}"/>
+              </a:ext>
+            </a:extLst>
+          </p:cNvPr>
+          <p:cNvSpPr txBox="1"/>
+          <p:nvPr/>
+        </p:nvSpPr>
+        <p:spPr>
+          <a:xfrm>
+            <a:off x="1324302" y="1387366"/>
+            <a:ext cx="7525407" cy="2308324"/>
+          </a:xfrm>
+          <a:prstGeom prst="rect">
+            <a:avLst/>
+          </a:prstGeom>
+          <a:noFill/>
+        </p:spPr>
+        <p:txBody>
+          <a:bodyPr wrap="square" rtlCol="0">
+            <a:spAutoFit/>
+          </a:bodyPr>
+          <a:lstStyle/>
+          <a:p>
+            <a:r>
+              <a:rPr lang="en-US" dirty="0">
+                <a:solidFill>
+                  <a:srgbClr val="1F1F1F"/>
+                </a:solidFill>
+                <a:latin typeface="Arial" panose="020B0604020202020204" pitchFamily="34" charset="0"/>
+                <a:ea typeface="Calibri" panose="020F0502020204030204" pitchFamily="34" charset="0"/>
+                <a:cs typeface="Times New Roman" panose="02020603050405020304" pitchFamily="18" charset="0"/>
+              </a:rPr>
+              <a:t>Firstly we use the lab’s NYC borough and neighborhood data to make a JSON call to Foursquare and get venue data for each neighborhood.</a:t>
+            </a:r>
+          </a:p>
+          <a:p>
+            <a:endParaRPr lang="en-US" dirty="0">
+              <a:solidFill>
+                <a:srgbClr val="1F1F1F"/>
+              </a:solidFill>
+              <a:latin typeface="Arial" panose="020B0604020202020204" pitchFamily="34" charset="0"/>
+              <a:ea typeface="Calibri" panose="020F0502020204030204" pitchFamily="34" charset="0"/>
+              <a:cs typeface="Times New Roman" panose="02020603050405020304" pitchFamily="18" charset="0"/>
+            </a:endParaRPr>
+          </a:p>
+          <a:p>
+            <a:r>
+              <a:rPr lang="en-US" dirty="0">
+                <a:solidFill>
+                  <a:srgbClr val="1F1F1F"/>
+                </a:solidFill>
+                <a:latin typeface="Arial" panose="020B0604020202020204" pitchFamily="34" charset="0"/>
+                <a:ea typeface="Calibri" panose="020F0502020204030204" pitchFamily="34" charset="0"/>
+                <a:cs typeface="Times New Roman" panose="02020603050405020304" pitchFamily="18" charset="0"/>
+              </a:rPr>
+              <a:t>This data is then formatted and cleaned and put into a pandas </a:t>
+            </a:r>
+            <a:r>
+              <a:rPr lang="en-US" dirty="0" err="1">
+                <a:solidFill>
+                  <a:srgbClr val="1F1F1F"/>
+                </a:solidFill>
+                <a:latin typeface="Arial" panose="020B0604020202020204" pitchFamily="34" charset="0"/>
+                <a:ea typeface="Calibri" panose="020F0502020204030204" pitchFamily="34" charset="0"/>
+                <a:cs typeface="Times New Roman" panose="02020603050405020304" pitchFamily="18" charset="0"/>
+              </a:rPr>
+              <a:t>dataframe</a:t>
+            </a:r>
+            <a:r>
+              <a:rPr lang="en-US" dirty="0">
+                <a:solidFill>
+                  <a:srgbClr val="1F1F1F"/>
+                </a:solidFill>
+                <a:latin typeface="Arial" panose="020B0604020202020204" pitchFamily="34" charset="0"/>
+                <a:ea typeface="Calibri" panose="020F0502020204030204" pitchFamily="34" charset="0"/>
+                <a:cs typeface="Times New Roman" panose="02020603050405020304" pitchFamily="18" charset="0"/>
+              </a:rPr>
+              <a:t>.</a:t>
+            </a:r>
+          </a:p>
+          <a:p>
+            <a:endParaRPr lang="en-US" dirty="0">
+              <a:solidFill>
+                <a:srgbClr val="1F1F1F"/>
+              </a:solidFill>
+              <a:latin typeface="Arial" panose="020B0604020202020204" pitchFamily="34" charset="0"/>
+              <a:ea typeface="Calibri" panose="020F0502020204030204" pitchFamily="34" charset="0"/>
+              <a:cs typeface="Times New Roman" panose="02020603050405020304" pitchFamily="18" charset="0"/>
+            </a:endParaRPr>
+          </a:p>
+          <a:p>
+            <a:r>
+              <a:rPr lang="en-US" dirty="0">
+                <a:solidFill>
+                  <a:srgbClr val="1F1F1F"/>
+                </a:solidFill>
+                <a:latin typeface="Arial" panose="020B0604020202020204" pitchFamily="34" charset="0"/>
+                <a:ea typeface="Calibri" panose="020F0502020204030204" pitchFamily="34" charset="0"/>
+                <a:cs typeface="Times New Roman" panose="02020603050405020304" pitchFamily="18" charset="0"/>
+              </a:rPr>
+              <a:t>From here we can analyze the venue frequency for each </a:t>
+            </a:r>
+            <a:r>
+              <a:rPr lang="en-US" dirty="0" err="1">
+                <a:solidFill>
+                  <a:srgbClr val="1F1F1F"/>
+                </a:solidFill>
+                <a:latin typeface="Arial" panose="020B0604020202020204" pitchFamily="34" charset="0"/>
+                <a:ea typeface="Calibri" panose="020F0502020204030204" pitchFamily="34" charset="0"/>
+                <a:cs typeface="Times New Roman" panose="02020603050405020304" pitchFamily="18" charset="0"/>
+              </a:rPr>
+              <a:t>neighorhood</a:t>
+            </a:r>
+            <a:r>
+              <a:rPr lang="en-US" dirty="0">
+                <a:solidFill>
+                  <a:srgbClr val="1F1F1F"/>
+                </a:solidFill>
+                <a:latin typeface="Arial" panose="020B0604020202020204" pitchFamily="34" charset="0"/>
+                <a:ea typeface="Calibri" panose="020F0502020204030204" pitchFamily="34" charset="0"/>
+                <a:cs typeface="Times New Roman" panose="02020603050405020304" pitchFamily="18" charset="0"/>
+              </a:rPr>
+              <a:t>.</a:t>
+            </a:r>
+          </a:p>
+          <a:p>
+            <a:endParaRPr lang="en-US" dirty="0">
+              <a:solidFill>
+                <a:srgbClr val="1F1F1F"/>
+              </a:solidFill>
+              <a:latin typeface="Arial" panose="020B0604020202020204" pitchFamily="34" charset="0"/>
+              <a:ea typeface="Calibri" panose="020F0502020204030204" pitchFamily="34" charset="0"/>
+              <a:cs typeface="Times New Roman" panose="02020603050405020304" pitchFamily="18" charset="0"/>
+            </a:endParaRPr>
+          </a:p>
+        </p:txBody>
+      </p:sp>
+    </p:spTree>
+    <p:extLst>
+      <p:ext uri="{BB962C8B-B14F-4D97-AF65-F5344CB8AC3E}">
+        <p14:creationId xmlns:p14="http://schemas.microsoft.com/office/powerpoint/2010/main" val="3279480334"/>
+      </p:ext>
+    </p:extLst>
+  </p:cSld>
+  <p:clrMapOvr>
+    <a:masterClrMapping/>
+  </p:clrMapOvr>
+</p:sld>
+</file>
+
+<file path=ppt/slides/slide5.xml><?xml version="1.0" encoding="utf-8"?>
+<p:sld xmlns:a="http://schemas.openxmlformats.org/drawingml/2006/main" xmlns:r="http://schemas.openxmlformats.org/officeDocument/2006/relationships" xmlns:p="http://schemas.openxmlformats.org/presentationml/2006/main">
+  <p:cSld>
+    <p:spTree>
+      <p:nvGrpSpPr>
+        <p:cNvPr id="1" name=""/>
+        <p:cNvGrpSpPr/>
+        <p:nvPr/>
+      </p:nvGrpSpPr>
+      <p:grpSpPr>
+        <a:xfrm>
+          <a:off x="0" y="0"/>
+          <a:ext cx="0" cy="0"/>
+          <a:chOff x="0" y="0"/>
+          <a:chExt cx="0" cy="0"/>
+        </a:xfrm>
+      </p:grpSpPr>
+      <p:sp>
+        <p:nvSpPr>
+          <p:cNvPr id="10" name="TextBox 9">
+            <a:extLst>
+              <a:ext uri="{FF2B5EF4-FFF2-40B4-BE49-F238E27FC236}">
+                <a16:creationId xmlns:a16="http://schemas.microsoft.com/office/drawing/2014/main" id="{A91F571A-496D-4EDC-BBF3-A4E5BBF741A9}"/>
+              </a:ext>
+            </a:extLst>
+          </p:cNvPr>
+          <p:cNvSpPr txBox="1"/>
+          <p:nvPr/>
+        </p:nvSpPr>
+        <p:spPr>
+          <a:xfrm>
+            <a:off x="1124607" y="292683"/>
+            <a:ext cx="7572704" cy="954107"/>
+          </a:xfrm>
+          <a:prstGeom prst="rect">
+            <a:avLst/>
+          </a:prstGeom>
+          <a:noFill/>
+        </p:spPr>
+        <p:txBody>
+          <a:bodyPr wrap="square" rtlCol="0">
+            <a:spAutoFit/>
+          </a:bodyPr>
+          <a:lstStyle/>
+          <a:p>
+            <a:r>
+              <a:rPr lang="en-US" sz="2400" dirty="0"/>
+              <a:t>Which neighborhoods have the most venues?</a:t>
+            </a:r>
+          </a:p>
+          <a:p>
+            <a:endParaRPr lang="en-US" sz="1600" dirty="0"/>
+          </a:p>
+          <a:p>
+            <a:r>
+              <a:rPr lang="en-US" sz="1600" dirty="0"/>
+              <a:t>A chart showing the number of venues returned by foursquare for each neighborhood.</a:t>
+            </a:r>
+          </a:p>
+        </p:txBody>
+      </p:sp>
+      <p:cxnSp>
+        <p:nvCxnSpPr>
+          <p:cNvPr id="14" name="Straight Connector 13">
+            <a:extLst>
+              <a:ext uri="{FF2B5EF4-FFF2-40B4-BE49-F238E27FC236}">
+                <a16:creationId xmlns:a16="http://schemas.microsoft.com/office/drawing/2014/main" id="{A54E5E5A-14DE-473E-8761-A2957E8DE344}"/>
+              </a:ext>
+            </a:extLst>
+          </p:cNvPr>
+          <p:cNvCxnSpPr/>
+          <p:nvPr/>
+        </p:nvCxnSpPr>
+        <p:spPr>
+          <a:xfrm>
+            <a:off x="1245476" y="1324303"/>
+            <a:ext cx="7047186" cy="0"/>
+          </a:xfrm>
+          <a:prstGeom prst="line">
+            <a:avLst/>
+          </a:prstGeom>
+        </p:spPr>
+        <p:style>
+          <a:lnRef idx="1">
+            <a:schemeClr val="accent1"/>
+          </a:lnRef>
+          <a:fillRef idx="0">
+            <a:schemeClr val="accent1"/>
+          </a:fillRef>
+          <a:effectRef idx="0">
+            <a:schemeClr val="accent1"/>
+          </a:effectRef>
+          <a:fontRef idx="minor">
+            <a:schemeClr val="tx1"/>
+          </a:fontRef>
+        </p:style>
+      </p:cxnSp>
+      <p:pic>
+        <p:nvPicPr>
+          <p:cNvPr id="3" name="Picture 2">
+            <a:extLst>
+              <a:ext uri="{FF2B5EF4-FFF2-40B4-BE49-F238E27FC236}">
+                <a16:creationId xmlns:a16="http://schemas.microsoft.com/office/drawing/2014/main" id="{F6E72B95-528A-4CC2-AC59-03886EFB03A0}"/>
+              </a:ext>
+            </a:extLst>
+          </p:cNvPr>
+          <p:cNvPicPr>
+            <a:picLocks noChangeAspect="1"/>
+          </p:cNvPicPr>
+          <p:nvPr/>
+        </p:nvPicPr>
+        <p:blipFill>
+          <a:blip r:embed="rId2"/>
+          <a:stretch>
+            <a:fillRect/>
+          </a:stretch>
+        </p:blipFill>
+        <p:spPr>
+          <a:xfrm>
+            <a:off x="804039" y="1479329"/>
+            <a:ext cx="10258097" cy="4118782"/>
+          </a:xfrm>
+          <a:prstGeom prst="rect">
+            <a:avLst/>
+          </a:prstGeom>
+        </p:spPr>
+      </p:pic>
+      <p:sp>
+        <p:nvSpPr>
+          <p:cNvPr id="4" name="TextBox 3">
+            <a:extLst>
+              <a:ext uri="{FF2B5EF4-FFF2-40B4-BE49-F238E27FC236}">
+                <a16:creationId xmlns:a16="http://schemas.microsoft.com/office/drawing/2014/main" id="{492CBB8B-A647-4BFF-889B-3E59FA7B7142}"/>
+              </a:ext>
+            </a:extLst>
+          </p:cNvPr>
+          <p:cNvSpPr txBox="1"/>
+          <p:nvPr/>
+        </p:nvSpPr>
+        <p:spPr>
+          <a:xfrm>
+            <a:off x="882868" y="5707117"/>
+            <a:ext cx="9249103" cy="307777"/>
+          </a:xfrm>
+          <a:prstGeom prst="rect">
+            <a:avLst/>
+          </a:prstGeom>
+          <a:noFill/>
+        </p:spPr>
+        <p:txBody>
+          <a:bodyPr wrap="square" rtlCol="0">
+            <a:spAutoFit/>
+          </a:bodyPr>
+          <a:lstStyle/>
+          <a:p>
+            <a:r>
+              <a:rPr lang="en-US" sz="1400" i="1" dirty="0"/>
+              <a:t>**note that due to a foursquare API limitation, the number returned maxes out at 100 venues</a:t>
+            </a:r>
+          </a:p>
+        </p:txBody>
+      </p:sp>
+    </p:spTree>
+    <p:extLst>
+      <p:ext uri="{BB962C8B-B14F-4D97-AF65-F5344CB8AC3E}">
+        <p14:creationId xmlns:p14="http://schemas.microsoft.com/office/powerpoint/2010/main" val="1312552693"/>
+      </p:ext>
+    </p:extLst>
+  </p:cSld>
+  <p:clrMapOvr>
+    <a:masterClrMapping/>
+  </p:clrMapOvr>
+</p:sld>
+</file>
+
+<file path=ppt/slides/slide6.xml><?xml version="1.0" encoding="utf-8"?>
+<p:sld xmlns:a="http://schemas.openxmlformats.org/drawingml/2006/main" xmlns:r="http://schemas.openxmlformats.org/officeDocument/2006/relationships" xmlns:p="http://schemas.openxmlformats.org/presentationml/2006/main">
+  <p:cSld>
+    <p:spTree>
+      <p:nvGrpSpPr>
+        <p:cNvPr id="1" name=""/>
+        <p:cNvGrpSpPr/>
+        <p:nvPr/>
+      </p:nvGrpSpPr>
+      <p:grpSpPr>
+        <a:xfrm>
+          <a:off x="0" y="0"/>
+          <a:ext cx="0" cy="0"/>
+          <a:chOff x="0" y="0"/>
+          <a:chExt cx="0" cy="0"/>
+        </a:xfrm>
+      </p:grpSpPr>
+      <p:sp>
+        <p:nvSpPr>
+          <p:cNvPr id="10" name="TextBox 9">
+            <a:extLst>
+              <a:ext uri="{FF2B5EF4-FFF2-40B4-BE49-F238E27FC236}">
+                <a16:creationId xmlns:a16="http://schemas.microsoft.com/office/drawing/2014/main" id="{A91F571A-496D-4EDC-BBF3-A4E5BBF741A9}"/>
+              </a:ext>
+            </a:extLst>
+          </p:cNvPr>
+          <p:cNvSpPr txBox="1"/>
+          <p:nvPr/>
+        </p:nvSpPr>
+        <p:spPr>
+          <a:xfrm>
+            <a:off x="1171904" y="330455"/>
+            <a:ext cx="7572704" cy="954107"/>
+          </a:xfrm>
+          <a:prstGeom prst="rect">
+            <a:avLst/>
+          </a:prstGeom>
+          <a:noFill/>
+        </p:spPr>
+        <p:txBody>
+          <a:bodyPr wrap="square" rtlCol="0">
+            <a:spAutoFit/>
+          </a:bodyPr>
+          <a:lstStyle/>
+          <a:p>
+            <a:r>
+              <a:rPr lang="en-US" sz="2400" dirty="0"/>
+              <a:t>How many coffee shops are already serving?</a:t>
+            </a:r>
+          </a:p>
+          <a:p>
+            <a:endParaRPr lang="en-US" sz="1600" dirty="0"/>
+          </a:p>
+          <a:p>
+            <a:r>
+              <a:rPr lang="en-US" sz="1600" dirty="0"/>
+              <a:t>A chart showing percentage of venues that are coffee shops.</a:t>
+            </a:r>
+          </a:p>
+        </p:txBody>
+      </p:sp>
+      <p:cxnSp>
+        <p:nvCxnSpPr>
+          <p:cNvPr id="14" name="Straight Connector 13">
+            <a:extLst>
+              <a:ext uri="{FF2B5EF4-FFF2-40B4-BE49-F238E27FC236}">
+                <a16:creationId xmlns:a16="http://schemas.microsoft.com/office/drawing/2014/main" id="{A54E5E5A-14DE-473E-8761-A2957E8DE344}"/>
+              </a:ext>
+            </a:extLst>
+          </p:cNvPr>
+          <p:cNvCxnSpPr/>
+          <p:nvPr/>
+        </p:nvCxnSpPr>
+        <p:spPr>
+          <a:xfrm>
+            <a:off x="1245476" y="1324303"/>
+            <a:ext cx="7047186" cy="0"/>
+          </a:xfrm>
+          <a:prstGeom prst="line">
+            <a:avLst/>
+          </a:prstGeom>
+        </p:spPr>
+        <p:style>
+          <a:lnRef idx="1">
+            <a:schemeClr val="accent1"/>
+          </a:lnRef>
+          <a:fillRef idx="0">
+            <a:schemeClr val="accent1"/>
+          </a:fillRef>
+          <a:effectRef idx="0">
+            <a:schemeClr val="accent1"/>
+          </a:effectRef>
+          <a:fontRef idx="minor">
+            <a:schemeClr val="tx1"/>
+          </a:fontRef>
+        </p:style>
+      </p:cxnSp>
+      <p:pic>
+        <p:nvPicPr>
+          <p:cNvPr id="3" name="Picture 2">
+            <a:extLst>
+              <a:ext uri="{FF2B5EF4-FFF2-40B4-BE49-F238E27FC236}">
+                <a16:creationId xmlns:a16="http://schemas.microsoft.com/office/drawing/2014/main" id="{0EBD1201-E9AC-48B5-8882-73D93AD6102A}"/>
+              </a:ext>
+            </a:extLst>
+          </p:cNvPr>
+          <p:cNvPicPr>
+            <a:picLocks noChangeAspect="1"/>
+          </p:cNvPicPr>
+          <p:nvPr/>
+        </p:nvPicPr>
+        <p:blipFill>
+          <a:blip r:embed="rId2"/>
+          <a:stretch>
+            <a:fillRect/>
+          </a:stretch>
+        </p:blipFill>
+        <p:spPr>
+          <a:xfrm>
+            <a:off x="420414" y="1403785"/>
+            <a:ext cx="10872952" cy="4478070"/>
+          </a:xfrm>
+          <a:prstGeom prst="rect">
+            <a:avLst/>
+          </a:prstGeom>
+        </p:spPr>
+      </p:pic>
+    </p:spTree>
+    <p:extLst>
+      <p:ext uri="{BB962C8B-B14F-4D97-AF65-F5344CB8AC3E}">
+        <p14:creationId xmlns:p14="http://schemas.microsoft.com/office/powerpoint/2010/main" val="4117931866"/>
+      </p:ext>
+    </p:extLst>
+  </p:cSld>
+  <p:clrMapOvr>
+    <a:masterClrMapping/>
+  </p:clrMapOvr>
+</p:sld>
+</file>
+
+<file path=ppt/slides/slide7.xml><?xml version="1.0" encoding="utf-8"?>
+<p:sld xmlns:a="http://schemas.openxmlformats.org/drawingml/2006/main" xmlns:r="http://schemas.openxmlformats.org/officeDocument/2006/relationships" xmlns:p="http://schemas.openxmlformats.org/presentationml/2006/main">
+  <p:cSld>
+    <p:spTree>
+      <p:nvGrpSpPr>
+        <p:cNvPr id="1" name=""/>
+        <p:cNvGrpSpPr/>
+        <p:nvPr/>
+      </p:nvGrpSpPr>
+      <p:grpSpPr>
+        <a:xfrm>
+          <a:off x="0" y="0"/>
+          <a:ext cx="0" cy="0"/>
+          <a:chOff x="0" y="0"/>
+          <a:chExt cx="0" cy="0"/>
+        </a:xfrm>
+      </p:grpSpPr>
+      <p:sp>
+        <p:nvSpPr>
+          <p:cNvPr id="10" name="TextBox 9">
+            <a:extLst>
+              <a:ext uri="{FF2B5EF4-FFF2-40B4-BE49-F238E27FC236}">
+                <a16:creationId xmlns:a16="http://schemas.microsoft.com/office/drawing/2014/main" id="{A91F571A-496D-4EDC-BBF3-A4E5BBF741A9}"/>
+              </a:ext>
+            </a:extLst>
+          </p:cNvPr>
+          <p:cNvSpPr txBox="1"/>
+          <p:nvPr/>
+        </p:nvSpPr>
+        <p:spPr>
+          <a:xfrm>
+            <a:off x="1224455" y="562304"/>
+            <a:ext cx="7572704" cy="461665"/>
+          </a:xfrm>
+          <a:prstGeom prst="rect">
+            <a:avLst/>
+          </a:prstGeom>
+          <a:noFill/>
+        </p:spPr>
+        <p:txBody>
+          <a:bodyPr wrap="square" rtlCol="0">
+            <a:spAutoFit/>
+          </a:bodyPr>
+          <a:lstStyle/>
+          <a:p>
+            <a:r>
+              <a:rPr lang="en-US" sz="2400" dirty="0"/>
+              <a:t>Identifying the most underserved neighborhood.</a:t>
+            </a:r>
+          </a:p>
+        </p:txBody>
+      </p:sp>
+      <p:cxnSp>
+        <p:nvCxnSpPr>
+          <p:cNvPr id="14" name="Straight Connector 13">
+            <a:extLst>
+              <a:ext uri="{FF2B5EF4-FFF2-40B4-BE49-F238E27FC236}">
+                <a16:creationId xmlns:a16="http://schemas.microsoft.com/office/drawing/2014/main" id="{A54E5E5A-14DE-473E-8761-A2957E8DE344}"/>
+              </a:ext>
+            </a:extLst>
+          </p:cNvPr>
+          <p:cNvCxnSpPr/>
+          <p:nvPr/>
+        </p:nvCxnSpPr>
+        <p:spPr>
+          <a:xfrm>
+            <a:off x="1245476" y="1324303"/>
+            <a:ext cx="7047186" cy="0"/>
+          </a:xfrm>
+          <a:prstGeom prst="line">
+            <a:avLst/>
+          </a:prstGeom>
+        </p:spPr>
+        <p:style>
+          <a:lnRef idx="1">
+            <a:schemeClr val="accent1"/>
+          </a:lnRef>
+          <a:fillRef idx="0">
+            <a:schemeClr val="accent1"/>
+          </a:fillRef>
+          <a:effectRef idx="0">
+            <a:schemeClr val="accent1"/>
+          </a:effectRef>
+          <a:fontRef idx="minor">
+            <a:schemeClr val="tx1"/>
+          </a:fontRef>
+        </p:style>
+      </p:cxnSp>
+      <p:sp>
+        <p:nvSpPr>
+          <p:cNvPr id="2" name="TextBox 1">
+            <a:extLst>
+              <a:ext uri="{FF2B5EF4-FFF2-40B4-BE49-F238E27FC236}">
+                <a16:creationId xmlns:a16="http://schemas.microsoft.com/office/drawing/2014/main" id="{9708703B-9F08-49F8-B22D-363A5166ADC0}"/>
+              </a:ext>
+            </a:extLst>
+          </p:cNvPr>
+          <p:cNvSpPr txBox="1"/>
+          <p:nvPr/>
+        </p:nvSpPr>
+        <p:spPr>
+          <a:xfrm>
+            <a:off x="1224455" y="1481959"/>
+            <a:ext cx="7136524" cy="2031325"/>
+          </a:xfrm>
+          <a:prstGeom prst="rect">
+            <a:avLst/>
+          </a:prstGeom>
+          <a:noFill/>
+        </p:spPr>
+        <p:txBody>
+          <a:bodyPr wrap="square" rtlCol="0">
+            <a:spAutoFit/>
+          </a:bodyPr>
+          <a:lstStyle/>
+          <a:p>
+            <a:r>
+              <a:rPr lang="en-US" dirty="0"/>
+              <a:t>Central Harlem and East Harlem have no coffee shops!</a:t>
+            </a:r>
+          </a:p>
+          <a:p>
+            <a:endParaRPr lang="en-US" dirty="0"/>
+          </a:p>
+          <a:p>
+            <a:r>
+              <a:rPr lang="en-US" dirty="0"/>
+              <a:t>However these neighborhoods have among the smallest number of other venues and may not generate much business overall.</a:t>
+            </a:r>
+          </a:p>
+          <a:p>
+            <a:endParaRPr lang="en-US" dirty="0"/>
+          </a:p>
+          <a:p>
+            <a:r>
+              <a:rPr lang="en-US" dirty="0"/>
+              <a:t>Chinatown has many other venues but also has a small number of coffee shops—only 2%--and looks like a good place to start up a new shop.</a:t>
+            </a:r>
+          </a:p>
+        </p:txBody>
+      </p:sp>
+    </p:spTree>
+    <p:extLst>
+      <p:ext uri="{BB962C8B-B14F-4D97-AF65-F5344CB8AC3E}">
+        <p14:creationId xmlns:p14="http://schemas.microsoft.com/office/powerpoint/2010/main" val="4289304675"/>
+      </p:ext>
+    </p:extLst>
+  </p:cSld>
+  <p:clrMapOvr>
+    <a:masterClrMapping/>
+  </p:clrMapOvr>
+</p:sld>
+</file>
+
+<file path=ppt/slides/slide8.xml><?xml version="1.0" encoding="utf-8"?>
+<p:sld xmlns:a="http://schemas.openxmlformats.org/drawingml/2006/main" xmlns:r="http://schemas.openxmlformats.org/officeDocument/2006/relationships" xmlns:p="http://schemas.openxmlformats.org/presentationml/2006/main">
+  <p:cSld>
+    <p:spTree>
+      <p:nvGrpSpPr>
+        <p:cNvPr id="1" name=""/>
+        <p:cNvGrpSpPr/>
+        <p:nvPr/>
+      </p:nvGrpSpPr>
+      <p:grpSpPr>
+        <a:xfrm>
+          <a:off x="0" y="0"/>
+          <a:ext cx="0" cy="0"/>
+          <a:chOff x="0" y="0"/>
+          <a:chExt cx="0" cy="0"/>
+        </a:xfrm>
+      </p:grpSpPr>
+      <p:sp>
+        <p:nvSpPr>
+          <p:cNvPr id="10" name="TextBox 9">
+            <a:extLst>
+              <a:ext uri="{FF2B5EF4-FFF2-40B4-BE49-F238E27FC236}">
+                <a16:creationId xmlns:a16="http://schemas.microsoft.com/office/drawing/2014/main" id="{A91F571A-496D-4EDC-BBF3-A4E5BBF741A9}"/>
+              </a:ext>
+            </a:extLst>
+          </p:cNvPr>
+          <p:cNvSpPr txBox="1"/>
+          <p:nvPr/>
+        </p:nvSpPr>
+        <p:spPr>
+          <a:xfrm>
+            <a:off x="1224455" y="562304"/>
+            <a:ext cx="7572704" cy="461665"/>
+          </a:xfrm>
+          <a:prstGeom prst="rect">
+            <a:avLst/>
+          </a:prstGeom>
+          <a:noFill/>
+        </p:spPr>
+        <p:txBody>
+          <a:bodyPr wrap="square" rtlCol="0">
+            <a:spAutoFit/>
+          </a:bodyPr>
+          <a:lstStyle/>
+          <a:p>
+            <a:r>
+              <a:rPr lang="en-US" sz="2400" dirty="0"/>
+              <a:t>Other considerations</a:t>
+            </a:r>
+          </a:p>
+        </p:txBody>
+      </p:sp>
+      <p:cxnSp>
+        <p:nvCxnSpPr>
+          <p:cNvPr id="14" name="Straight Connector 13">
+            <a:extLst>
+              <a:ext uri="{FF2B5EF4-FFF2-40B4-BE49-F238E27FC236}">
+                <a16:creationId xmlns:a16="http://schemas.microsoft.com/office/drawing/2014/main" id="{A54E5E5A-14DE-473E-8761-A2957E8DE344}"/>
+              </a:ext>
+            </a:extLst>
+          </p:cNvPr>
+          <p:cNvCxnSpPr/>
+          <p:nvPr/>
+        </p:nvCxnSpPr>
+        <p:spPr>
+          <a:xfrm>
+            <a:off x="1245476" y="1324303"/>
+            <a:ext cx="7047186" cy="0"/>
+          </a:xfrm>
+          <a:prstGeom prst="line">
+            <a:avLst/>
+          </a:prstGeom>
+        </p:spPr>
+        <p:style>
+          <a:lnRef idx="1">
+            <a:schemeClr val="accent1"/>
+          </a:lnRef>
+          <a:fillRef idx="0">
+            <a:schemeClr val="accent1"/>
+          </a:fillRef>
+          <a:effectRef idx="0">
+            <a:schemeClr val="accent1"/>
+          </a:effectRef>
+          <a:fontRef idx="minor">
+            <a:schemeClr val="tx1"/>
+          </a:fontRef>
+        </p:style>
+      </p:cxnSp>
+      <p:sp>
+        <p:nvSpPr>
+          <p:cNvPr id="2" name="TextBox 1">
+            <a:extLst>
+              <a:ext uri="{FF2B5EF4-FFF2-40B4-BE49-F238E27FC236}">
+                <a16:creationId xmlns:a16="http://schemas.microsoft.com/office/drawing/2014/main" id="{EFBE537A-85EA-4DE0-A836-6591385C79CF}"/>
+              </a:ext>
+            </a:extLst>
+          </p:cNvPr>
+          <p:cNvSpPr txBox="1"/>
+          <p:nvPr/>
+        </p:nvSpPr>
+        <p:spPr>
+          <a:xfrm>
+            <a:off x="1460938" y="1420197"/>
+            <a:ext cx="9811407" cy="2308324"/>
+          </a:xfrm>
+          <a:prstGeom prst="rect">
+            <a:avLst/>
+          </a:prstGeom>
+          <a:solidFill>
+            <a:schemeClr val="bg2"/>
+          </a:solidFill>
+        </p:spPr>
+        <p:txBody>
+          <a:bodyPr wrap="square" rtlCol="0">
+            <a:spAutoFit/>
+          </a:bodyPr>
+          <a:lstStyle/>
+          <a:p>
+            <a:r>
+              <a:rPr lang="en-US" dirty="0"/>
+              <a:t>There are of course many other considerations to where to start a new coffee shop,</a:t>
+            </a:r>
+          </a:p>
+          <a:p>
+            <a:r>
+              <a:rPr lang="en-US" dirty="0"/>
+              <a:t>including, but not limited to:</a:t>
+            </a:r>
+          </a:p>
+          <a:p>
+            <a:endParaRPr lang="en-US" dirty="0"/>
+          </a:p>
+          <a:p>
+            <a:r>
+              <a:rPr lang="en-US" dirty="0"/>
+              <a:t>Rent</a:t>
+            </a:r>
+          </a:p>
+          <a:p>
+            <a:r>
+              <a:rPr lang="en-US" dirty="0"/>
+              <a:t>Building availability</a:t>
+            </a:r>
+          </a:p>
+          <a:p>
+            <a:r>
+              <a:rPr lang="en-US" dirty="0"/>
+              <a:t>Population type (office workers vs apartment dwellers)</a:t>
+            </a:r>
+          </a:p>
+          <a:p>
+            <a:r>
+              <a:rPr lang="en-US" dirty="0"/>
+              <a:t>Local tastes (perhaps Chinatown appears to be underserved because everybody there drinks tea instead of coffee)</a:t>
+            </a:r>
+          </a:p>
+        </p:txBody>
+      </p:sp>
+    </p:spTree>
+    <p:extLst>
+      <p:ext uri="{BB962C8B-B14F-4D97-AF65-F5344CB8AC3E}">
+        <p14:creationId xmlns:p14="http://schemas.microsoft.com/office/powerpoint/2010/main" val="853949277"/>
       </p:ext>
     </p:extLst>
   </p:cSld>
